--- a/Facebook Field Study with Local Politicians/Skagen workshop/STANDBY presentation_IDA_dansk.pptx
+++ b/Facebook Field Study with Local Politicians/Skagen workshop/STANDBY presentation_IDA_dansk.pptx
@@ -272,7 +272,7 @@
           <a:p>
             <a:fld id="{79C5A860-F335-4252-AA00-24FB67ED2982}" type="datetime1">
               <a:rPr lang="en-US" smtClean="0"/>
-              <a:t>6/25/24</a:t>
+              <a:t>6/27/24</a:t>
             </a:fld>
             <a:endParaRPr lang="en-US"/>
           </a:p>
@@ -471,7 +471,7 @@
           <a:p>
             <a:fld id="{46AB1048-0047-48CA-88BA-D69B470942CF}" type="datetime1">
               <a:rPr lang="en-US" smtClean="0"/>
-              <a:t>6/25/24</a:t>
+              <a:t>6/27/24</a:t>
             </a:fld>
             <a:endParaRPr lang="en-US"/>
           </a:p>
@@ -681,7 +681,7 @@
           <a:p>
             <a:fld id="{5BD83879-648C-49A9-81A2-0EF5946532D0}" type="datetime1">
               <a:rPr lang="en-US" smtClean="0"/>
-              <a:t>6/25/24</a:t>
+              <a:t>6/27/24</a:t>
             </a:fld>
             <a:endParaRPr lang="en-US"/>
           </a:p>
@@ -879,7 +879,7 @@
           <a:p>
             <a:fld id="{D04BC802-30E3-4658-9CCA-F873646FEC67}" type="datetime1">
               <a:rPr lang="en-US" smtClean="0"/>
-              <a:t>6/25/24</a:t>
+              <a:t>6/27/24</a:t>
             </a:fld>
             <a:endParaRPr lang="en-US"/>
           </a:p>
@@ -1157,7 +1157,7 @@
           <a:p>
             <a:fld id="{0AB227A3-19CE-4153-81CE-64EB7AB094B3}" type="datetime1">
               <a:rPr lang="en-US" smtClean="0"/>
-              <a:t>6/25/24</a:t>
+              <a:t>6/27/24</a:t>
             </a:fld>
             <a:endParaRPr lang="en-US"/>
           </a:p>
@@ -1424,7 +1424,7 @@
           <a:p>
             <a:fld id="{B819A100-10F6-477E-8847-29D479EF1C92}" type="datetime1">
               <a:rPr lang="en-US" smtClean="0"/>
-              <a:t>6/25/24</a:t>
+              <a:t>6/27/24</a:t>
             </a:fld>
             <a:endParaRPr lang="en-US"/>
           </a:p>
@@ -1838,7 +1838,7 @@
           <a:p>
             <a:fld id="{5DF128AB-198A-495F-8475-FDB360C9873F}" type="datetime1">
               <a:rPr lang="en-US" smtClean="0"/>
-              <a:t>6/25/24</a:t>
+              <a:t>6/27/24</a:t>
             </a:fld>
             <a:endParaRPr lang="en-US"/>
           </a:p>
@@ -1979,7 +1979,7 @@
           <a:p>
             <a:fld id="{021A235E-F8FD-479F-9FC7-18BE84110877}" type="datetime1">
               <a:rPr lang="en-US" smtClean="0"/>
-              <a:t>6/25/24</a:t>
+              <a:t>6/27/24</a:t>
             </a:fld>
             <a:endParaRPr lang="en-US"/>
           </a:p>
@@ -2092,7 +2092,7 @@
           <a:p>
             <a:fld id="{E890F09B-68DA-462E-9DB4-4C9ADAB8CBCC}" type="datetime1">
               <a:rPr lang="en-US" smtClean="0"/>
-              <a:t>6/25/24</a:t>
+              <a:t>6/27/24</a:t>
             </a:fld>
             <a:endParaRPr lang="en-US"/>
           </a:p>
@@ -2411,7 +2411,7 @@
           <a:p>
             <a:fld id="{17AC4E36-FABE-47EB-AA7F-C19A93824617}" type="datetime1">
               <a:rPr lang="en-US" smtClean="0"/>
-              <a:t>6/25/24</a:t>
+              <a:t>6/27/24</a:t>
             </a:fld>
             <a:endParaRPr lang="en-US"/>
           </a:p>
@@ -2708,7 +2708,7 @@
           <a:p>
             <a:fld id="{F199CE6B-5DE6-4A2D-B72E-5E8969F9F56F}" type="datetime1">
               <a:rPr lang="en-US" smtClean="0"/>
-              <a:t>6/25/24</a:t>
+              <a:t>6/27/24</a:t>
             </a:fld>
             <a:endParaRPr lang="en-US"/>
           </a:p>
@@ -3566,7 +3566,7 @@
           <a:p>
             <a:fld id="{F481A142-DA77-4A5F-AD1F-14E6C18F0F5F}" type="datetime1">
               <a:rPr lang="en-US" smtClean="0"/>
-              <a:t>6/25/24</a:t>
+              <a:t>6/27/24</a:t>
             </a:fld>
             <a:endParaRPr lang="en-US" dirty="0"/>
           </a:p>
@@ -5171,7 +5171,7 @@
             </a:pPr>
             <a:r>
               <a:rPr lang="da-DK" dirty="0"/>
-              <a:t>DANISH BERT: 1 af 9 labels fx tillid/accept, foragt/modvilje, glæde/sindsro </a:t>
+              <a:t>Dansk BERT: 1 af 9 labels fx tillid/accept, foragt/modvilje, glæde/sindsro </a:t>
             </a:r>
           </a:p>
           <a:p>
@@ -5843,7 +5843,7 @@
         </p:blipFill>
         <p:spPr>
           <a:xfrm>
-            <a:off x="609600" y="3766574"/>
+            <a:off x="542215" y="3766574"/>
             <a:ext cx="3475694" cy="2632837"/>
           </a:xfrm>
           <a:prstGeom prst="rect">
@@ -5851,6 +5851,106 @@
           </a:prstGeom>
         </p:spPr>
       </p:pic>
+      <p:sp>
+        <p:nvSpPr>
+          <p:cNvPr id="4" name="Tekstfelt 3">
+            <a:extLst>
+              <a:ext uri="{FF2B5EF4-FFF2-40B4-BE49-F238E27FC236}">
+                <a16:creationId xmlns:a16="http://schemas.microsoft.com/office/drawing/2014/main" id="{8030E242-27B5-2AD5-474C-8054ACFB0EEF}"/>
+              </a:ext>
+            </a:extLst>
+          </p:cNvPr>
+          <p:cNvSpPr txBox="1"/>
+          <p:nvPr/>
+        </p:nvSpPr>
+        <p:spPr>
+          <a:xfrm>
+            <a:off x="6922279" y="4056663"/>
+            <a:ext cx="1563329" cy="461665"/>
+          </a:xfrm>
+          <a:prstGeom prst="rect">
+            <a:avLst/>
+          </a:prstGeom>
+          <a:noFill/>
+        </p:spPr>
+        <p:txBody>
+          <a:bodyPr wrap="square" rtlCol="0">
+            <a:spAutoFit/>
+          </a:bodyPr>
+          <a:lstStyle/>
+          <a:p>
+            <a:r>
+              <a:rPr lang="da-DK" sz="800" dirty="0"/>
+              <a:t>Mega fedt!</a:t>
+            </a:r>
+          </a:p>
+          <a:p>
+            <a:r>
+              <a:rPr lang="da-DK" sz="800" dirty="0"/>
+              <a:t>God bedring</a:t>
+            </a:r>
+          </a:p>
+          <a:p>
+            <a:r>
+              <a:rPr lang="da-DK" sz="800" dirty="0"/>
+              <a:t>Stort tillykke, så fortjent!</a:t>
+            </a:r>
+          </a:p>
+        </p:txBody>
+      </p:sp>
+      <p:sp>
+        <p:nvSpPr>
+          <p:cNvPr id="5" name="Tekstfelt 4">
+            <a:extLst>
+              <a:ext uri="{FF2B5EF4-FFF2-40B4-BE49-F238E27FC236}">
+                <a16:creationId xmlns:a16="http://schemas.microsoft.com/office/drawing/2014/main" id="{93FB2584-D46D-F8F3-7784-A51B528BE8B7}"/>
+              </a:ext>
+            </a:extLst>
+          </p:cNvPr>
+          <p:cNvSpPr txBox="1"/>
+          <p:nvPr/>
+        </p:nvSpPr>
+        <p:spPr>
+          <a:xfrm>
+            <a:off x="75291" y="6250762"/>
+            <a:ext cx="2283112" cy="523220"/>
+          </a:xfrm>
+          <a:prstGeom prst="rect">
+            <a:avLst/>
+          </a:prstGeom>
+          <a:noFill/>
+        </p:spPr>
+        <p:txBody>
+          <a:bodyPr wrap="square" rtlCol="0">
+            <a:spAutoFit/>
+          </a:bodyPr>
+          <a:lstStyle/>
+          <a:p>
+            <a:r>
+              <a:rPr lang="da-DK" sz="700" dirty="0"/>
+              <a:t>Det er under alt kritik, at..</a:t>
+            </a:r>
+          </a:p>
+          <a:p>
+            <a:r>
+              <a:rPr lang="da-DK" sz="700" dirty="0"/>
+              <a:t>Simpelthen så ulækkert at man..</a:t>
+            </a:r>
+          </a:p>
+          <a:p>
+            <a:r>
+              <a:rPr lang="da-DK" sz="700" dirty="0"/>
+              <a:t>nej, det gør han bestemt ikke</a:t>
+            </a:r>
+          </a:p>
+          <a:p>
+            <a:r>
+              <a:rPr lang="da-DK" sz="700" dirty="0"/>
+              <a:t>Nå, jeg vil nu hellere have haft en socialdemokrat…</a:t>
+            </a:r>
+          </a:p>
+        </p:txBody>
+      </p:sp>
     </p:spTree>
     <p:extLst>
       <p:ext uri="{BB962C8B-B14F-4D97-AF65-F5344CB8AC3E}">
